--- a/images/ppt_src/System_Architecture.pptx
+++ b/images/ppt_src/System_Architecture.pptx
@@ -259,7 +259,7 @@
           <a:p>
             <a:fld id="{3A41DA3F-6236-4EB7-A29E-6D08A450910B}" type="datetimeFigureOut">
               <a:rPr lang="ko-KR" altLang="en-US" smtClean="0"/>
-              <a:t>2022-04-19</a:t>
+              <a:t>2022-04-24</a:t>
             </a:fld>
             <a:endParaRPr lang="ko-KR" altLang="en-US"/>
           </a:p>
@@ -457,7 +457,7 @@
           <a:p>
             <a:fld id="{3A41DA3F-6236-4EB7-A29E-6D08A450910B}" type="datetimeFigureOut">
               <a:rPr lang="ko-KR" altLang="en-US" smtClean="0"/>
-              <a:t>2022-04-19</a:t>
+              <a:t>2022-04-24</a:t>
             </a:fld>
             <a:endParaRPr lang="ko-KR" altLang="en-US"/>
           </a:p>
@@ -665,7 +665,7 @@
           <a:p>
             <a:fld id="{3A41DA3F-6236-4EB7-A29E-6D08A450910B}" type="datetimeFigureOut">
               <a:rPr lang="ko-KR" altLang="en-US" smtClean="0"/>
-              <a:t>2022-04-19</a:t>
+              <a:t>2022-04-24</a:t>
             </a:fld>
             <a:endParaRPr lang="ko-KR" altLang="en-US"/>
           </a:p>
@@ -863,7 +863,7 @@
           <a:p>
             <a:fld id="{3A41DA3F-6236-4EB7-A29E-6D08A450910B}" type="datetimeFigureOut">
               <a:rPr lang="ko-KR" altLang="en-US" smtClean="0"/>
-              <a:t>2022-04-19</a:t>
+              <a:t>2022-04-24</a:t>
             </a:fld>
             <a:endParaRPr lang="ko-KR" altLang="en-US"/>
           </a:p>
@@ -1138,7 +1138,7 @@
           <a:p>
             <a:fld id="{3A41DA3F-6236-4EB7-A29E-6D08A450910B}" type="datetimeFigureOut">
               <a:rPr lang="ko-KR" altLang="en-US" smtClean="0"/>
-              <a:t>2022-04-19</a:t>
+              <a:t>2022-04-24</a:t>
             </a:fld>
             <a:endParaRPr lang="ko-KR" altLang="en-US"/>
           </a:p>
@@ -1403,7 +1403,7 @@
           <a:p>
             <a:fld id="{3A41DA3F-6236-4EB7-A29E-6D08A450910B}" type="datetimeFigureOut">
               <a:rPr lang="ko-KR" altLang="en-US" smtClean="0"/>
-              <a:t>2022-04-19</a:t>
+              <a:t>2022-04-24</a:t>
             </a:fld>
             <a:endParaRPr lang="ko-KR" altLang="en-US"/>
           </a:p>
@@ -1815,7 +1815,7 @@
           <a:p>
             <a:fld id="{3A41DA3F-6236-4EB7-A29E-6D08A450910B}" type="datetimeFigureOut">
               <a:rPr lang="ko-KR" altLang="en-US" smtClean="0"/>
-              <a:t>2022-04-19</a:t>
+              <a:t>2022-04-24</a:t>
             </a:fld>
             <a:endParaRPr lang="ko-KR" altLang="en-US"/>
           </a:p>
@@ -1956,7 +1956,7 @@
           <a:p>
             <a:fld id="{3A41DA3F-6236-4EB7-A29E-6D08A450910B}" type="datetimeFigureOut">
               <a:rPr lang="ko-KR" altLang="en-US" smtClean="0"/>
-              <a:t>2022-04-19</a:t>
+              <a:t>2022-04-24</a:t>
             </a:fld>
             <a:endParaRPr lang="ko-KR" altLang="en-US"/>
           </a:p>
@@ -2069,7 +2069,7 @@
           <a:p>
             <a:fld id="{3A41DA3F-6236-4EB7-A29E-6D08A450910B}" type="datetimeFigureOut">
               <a:rPr lang="ko-KR" altLang="en-US" smtClean="0"/>
-              <a:t>2022-04-19</a:t>
+              <a:t>2022-04-24</a:t>
             </a:fld>
             <a:endParaRPr lang="ko-KR" altLang="en-US"/>
           </a:p>
@@ -2380,7 +2380,7 @@
           <a:p>
             <a:fld id="{3A41DA3F-6236-4EB7-A29E-6D08A450910B}" type="datetimeFigureOut">
               <a:rPr lang="ko-KR" altLang="en-US" smtClean="0"/>
-              <a:t>2022-04-19</a:t>
+              <a:t>2022-04-24</a:t>
             </a:fld>
             <a:endParaRPr lang="ko-KR" altLang="en-US"/>
           </a:p>
@@ -2668,7 +2668,7 @@
           <a:p>
             <a:fld id="{3A41DA3F-6236-4EB7-A29E-6D08A450910B}" type="datetimeFigureOut">
               <a:rPr lang="ko-KR" altLang="en-US" smtClean="0"/>
-              <a:t>2022-04-19</a:t>
+              <a:t>2022-04-24</a:t>
             </a:fld>
             <a:endParaRPr lang="ko-KR" altLang="en-US"/>
           </a:p>
@@ -2909,7 +2909,7 @@
           <a:p>
             <a:fld id="{3A41DA3F-6236-4EB7-A29E-6D08A450910B}" type="datetimeFigureOut">
               <a:rPr lang="ko-KR" altLang="en-US" smtClean="0"/>
-              <a:t>2022-04-19</a:t>
+              <a:t>2022-04-24</a:t>
             </a:fld>
             <a:endParaRPr lang="ko-KR" altLang="en-US"/>
           </a:p>
@@ -3328,10 +3328,10 @@
       </p:grpSpPr>
       <p:grpSp>
         <p:nvGrpSpPr>
-          <p:cNvPr id="636" name="그룹 635">
+          <p:cNvPr id="5" name="그룹 4">
             <a:extLst>
               <a:ext uri="{FF2B5EF4-FFF2-40B4-BE49-F238E27FC236}">
-                <a16:creationId xmlns:a16="http://schemas.microsoft.com/office/drawing/2014/main" id="{79DB3C5F-B7E8-4DA4-B53D-882F00DF8499}"/>
+                <a16:creationId xmlns:a16="http://schemas.microsoft.com/office/drawing/2014/main" id="{DDB0E3F6-0391-4188-B2F3-12C91492A716}"/>
               </a:ext>
             </a:extLst>
           </p:cNvPr>
@@ -3341,9 +3341,9 @@
         <p:grpSpPr>
           <a:xfrm>
             <a:off x="359861" y="436552"/>
-            <a:ext cx="11639427" cy="6066885"/>
+            <a:ext cx="11639427" cy="6206844"/>
             <a:chOff x="359861" y="436552"/>
-            <a:chExt cx="11639427" cy="6066885"/>
+            <a:chExt cx="11639427" cy="6206844"/>
           </a:xfrm>
         </p:grpSpPr>
         <p:sp>
@@ -3361,7 +3361,7 @@
           <p:spPr>
             <a:xfrm>
               <a:off x="359861" y="436552"/>
-              <a:ext cx="11639427" cy="5740073"/>
+              <a:ext cx="11639427" cy="6206844"/>
             </a:xfrm>
             <a:prstGeom prst="roundRect">
               <a:avLst>

--- a/images/ppt_src/System_Architecture.pptx
+++ b/images/ppt_src/System_Architecture.pptx
@@ -259,7 +259,7 @@
           <a:p>
             <a:fld id="{3A41DA3F-6236-4EB7-A29E-6D08A450910B}" type="datetimeFigureOut">
               <a:rPr lang="ko-KR" altLang="en-US" smtClean="0"/>
-              <a:t>2022-04-24</a:t>
+              <a:t>2022-08-10</a:t>
             </a:fld>
             <a:endParaRPr lang="ko-KR" altLang="en-US"/>
           </a:p>
@@ -457,7 +457,7 @@
           <a:p>
             <a:fld id="{3A41DA3F-6236-4EB7-A29E-6D08A450910B}" type="datetimeFigureOut">
               <a:rPr lang="ko-KR" altLang="en-US" smtClean="0"/>
-              <a:t>2022-04-24</a:t>
+              <a:t>2022-08-10</a:t>
             </a:fld>
             <a:endParaRPr lang="ko-KR" altLang="en-US"/>
           </a:p>
@@ -665,7 +665,7 @@
           <a:p>
             <a:fld id="{3A41DA3F-6236-4EB7-A29E-6D08A450910B}" type="datetimeFigureOut">
               <a:rPr lang="ko-KR" altLang="en-US" smtClean="0"/>
-              <a:t>2022-04-24</a:t>
+              <a:t>2022-08-10</a:t>
             </a:fld>
             <a:endParaRPr lang="ko-KR" altLang="en-US"/>
           </a:p>
@@ -863,7 +863,7 @@
           <a:p>
             <a:fld id="{3A41DA3F-6236-4EB7-A29E-6D08A450910B}" type="datetimeFigureOut">
               <a:rPr lang="ko-KR" altLang="en-US" smtClean="0"/>
-              <a:t>2022-04-24</a:t>
+              <a:t>2022-08-10</a:t>
             </a:fld>
             <a:endParaRPr lang="ko-KR" altLang="en-US"/>
           </a:p>
@@ -1138,7 +1138,7 @@
           <a:p>
             <a:fld id="{3A41DA3F-6236-4EB7-A29E-6D08A450910B}" type="datetimeFigureOut">
               <a:rPr lang="ko-KR" altLang="en-US" smtClean="0"/>
-              <a:t>2022-04-24</a:t>
+              <a:t>2022-08-10</a:t>
             </a:fld>
             <a:endParaRPr lang="ko-KR" altLang="en-US"/>
           </a:p>
@@ -1403,7 +1403,7 @@
           <a:p>
             <a:fld id="{3A41DA3F-6236-4EB7-A29E-6D08A450910B}" type="datetimeFigureOut">
               <a:rPr lang="ko-KR" altLang="en-US" smtClean="0"/>
-              <a:t>2022-04-24</a:t>
+              <a:t>2022-08-10</a:t>
             </a:fld>
             <a:endParaRPr lang="ko-KR" altLang="en-US"/>
           </a:p>
@@ -1815,7 +1815,7 @@
           <a:p>
             <a:fld id="{3A41DA3F-6236-4EB7-A29E-6D08A450910B}" type="datetimeFigureOut">
               <a:rPr lang="ko-KR" altLang="en-US" smtClean="0"/>
-              <a:t>2022-04-24</a:t>
+              <a:t>2022-08-10</a:t>
             </a:fld>
             <a:endParaRPr lang="ko-KR" altLang="en-US"/>
           </a:p>
@@ -1956,7 +1956,7 @@
           <a:p>
             <a:fld id="{3A41DA3F-6236-4EB7-A29E-6D08A450910B}" type="datetimeFigureOut">
               <a:rPr lang="ko-KR" altLang="en-US" smtClean="0"/>
-              <a:t>2022-04-24</a:t>
+              <a:t>2022-08-10</a:t>
             </a:fld>
             <a:endParaRPr lang="ko-KR" altLang="en-US"/>
           </a:p>
@@ -2069,7 +2069,7 @@
           <a:p>
             <a:fld id="{3A41DA3F-6236-4EB7-A29E-6D08A450910B}" type="datetimeFigureOut">
               <a:rPr lang="ko-KR" altLang="en-US" smtClean="0"/>
-              <a:t>2022-04-24</a:t>
+              <a:t>2022-08-10</a:t>
             </a:fld>
             <a:endParaRPr lang="ko-KR" altLang="en-US"/>
           </a:p>
@@ -2380,7 +2380,7 @@
           <a:p>
             <a:fld id="{3A41DA3F-6236-4EB7-A29E-6D08A450910B}" type="datetimeFigureOut">
               <a:rPr lang="ko-KR" altLang="en-US" smtClean="0"/>
-              <a:t>2022-04-24</a:t>
+              <a:t>2022-08-10</a:t>
             </a:fld>
             <a:endParaRPr lang="ko-KR" altLang="en-US"/>
           </a:p>
@@ -2668,7 +2668,7 @@
           <a:p>
             <a:fld id="{3A41DA3F-6236-4EB7-A29E-6D08A450910B}" type="datetimeFigureOut">
               <a:rPr lang="ko-KR" altLang="en-US" smtClean="0"/>
-              <a:t>2022-04-24</a:t>
+              <a:t>2022-08-10</a:t>
             </a:fld>
             <a:endParaRPr lang="ko-KR" altLang="en-US"/>
           </a:p>
@@ -2909,7 +2909,7 @@
           <a:p>
             <a:fld id="{3A41DA3F-6236-4EB7-A29E-6D08A450910B}" type="datetimeFigureOut">
               <a:rPr lang="ko-KR" altLang="en-US" smtClean="0"/>
-              <a:t>2022-04-24</a:t>
+              <a:t>2022-08-10</a:t>
             </a:fld>
             <a:endParaRPr lang="ko-KR" altLang="en-US"/>
           </a:p>
@@ -3328,10 +3328,10 @@
       </p:grpSpPr>
       <p:grpSp>
         <p:nvGrpSpPr>
-          <p:cNvPr id="5" name="그룹 4">
+          <p:cNvPr id="10" name="그룹 9">
             <a:extLst>
               <a:ext uri="{FF2B5EF4-FFF2-40B4-BE49-F238E27FC236}">
-                <a16:creationId xmlns:a16="http://schemas.microsoft.com/office/drawing/2014/main" id="{DDB0E3F6-0391-4188-B2F3-12C91492A716}"/>
+                <a16:creationId xmlns:a16="http://schemas.microsoft.com/office/drawing/2014/main" id="{E115D5EC-BF14-C4F7-54AD-5D12247143BF}"/>
               </a:ext>
             </a:extLst>
           </p:cNvPr>
@@ -4559,8 +4559,8 @@
             <a:p>
               <a:pPr algn="ctr"/>
               <a:r>
-                <a:rPr lang="en-US" altLang="ko-KR" sz="1200" dirty="0"/>
-                <a:t>12V</a:t>
+                <a:rPr lang="en-US" altLang="ko-KR" sz="1200"/>
+                <a:t>19V</a:t>
               </a:r>
               <a:endParaRPr lang="ko-KR" altLang="en-US" sz="1200" dirty="0"/>
             </a:p>
@@ -5963,51 +5963,6 @@
         </p:cxnSp>
         <p:cxnSp>
           <p:nvCxnSpPr>
-            <p:cNvPr id="364" name="연결선: 꺾임 363">
-              <a:extLst>
-                <a:ext uri="{FF2B5EF4-FFF2-40B4-BE49-F238E27FC236}">
-                  <a16:creationId xmlns:a16="http://schemas.microsoft.com/office/drawing/2014/main" id="{A8CDF3F3-88E8-44BC-978A-3DE1584F6376}"/>
-                </a:ext>
-              </a:extLst>
-            </p:cNvPr>
-            <p:cNvCxnSpPr>
-              <a:cxnSpLocks/>
-              <a:stCxn id="24" idx="2"/>
-              <a:endCxn id="64" idx="0"/>
-            </p:cNvCxnSpPr>
-            <p:nvPr/>
-          </p:nvCxnSpPr>
-          <p:spPr>
-            <a:xfrm rot="5400000">
-              <a:off x="3207298" y="3589935"/>
-              <a:ext cx="1002726" cy="905839"/>
-            </a:xfrm>
-            <a:prstGeom prst="bentConnector3">
-              <a:avLst>
-                <a:gd name="adj1" fmla="val 50000"/>
-              </a:avLst>
-            </a:prstGeom>
-            <a:ln w="12700">
-              <a:tailEnd type="triangle"/>
-            </a:ln>
-          </p:spPr>
-          <p:style>
-            <a:lnRef idx="1">
-              <a:schemeClr val="accent1"/>
-            </a:lnRef>
-            <a:fillRef idx="0">
-              <a:schemeClr val="accent1"/>
-            </a:fillRef>
-            <a:effectRef idx="0">
-              <a:schemeClr val="accent1"/>
-            </a:effectRef>
-            <a:fontRef idx="minor">
-              <a:schemeClr val="tx1"/>
-            </a:fontRef>
-          </p:style>
-        </p:cxnSp>
-        <p:cxnSp>
-          <p:nvCxnSpPr>
             <p:cNvPr id="375" name="연결선: 꺾임 374">
               <a:extLst>
                 <a:ext uri="{FF2B5EF4-FFF2-40B4-BE49-F238E27FC236}">
@@ -7174,20 +7129,18 @@
             </p:cNvPr>
             <p:cNvCxnSpPr>
               <a:cxnSpLocks/>
-              <a:stCxn id="187" idx="0"/>
+              <a:stCxn id="6" idx="3"/>
               <a:endCxn id="122" idx="2"/>
             </p:cNvCxnSpPr>
             <p:nvPr/>
           </p:nvCxnSpPr>
           <p:spPr>
-            <a:xfrm rot="5400000" flipH="1" flipV="1">
-              <a:off x="5767409" y="57593"/>
-              <a:ext cx="622580" cy="8302626"/>
+            <a:xfrm flipV="1">
+              <a:off x="1080283" y="3897616"/>
+              <a:ext cx="9149729" cy="184157"/>
             </a:xfrm>
-            <a:prstGeom prst="bentConnector3">
-              <a:avLst>
-                <a:gd name="adj1" fmla="val 64987"/>
-              </a:avLst>
+            <a:prstGeom prst="bentConnector2">
+              <a:avLst/>
             </a:prstGeom>
             <a:ln w="12700">
               <a:solidFill>
@@ -7211,6 +7164,107 @@
             </a:fontRef>
           </p:style>
         </p:cxnSp>
+        <p:cxnSp>
+          <p:nvCxnSpPr>
+            <p:cNvPr id="364" name="연결선: 꺾임 363">
+              <a:extLst>
+                <a:ext uri="{FF2B5EF4-FFF2-40B4-BE49-F238E27FC236}">
+                  <a16:creationId xmlns:a16="http://schemas.microsoft.com/office/drawing/2014/main" id="{A8CDF3F3-88E8-44BC-978A-3DE1584F6376}"/>
+                </a:ext>
+              </a:extLst>
+            </p:cNvPr>
+            <p:cNvCxnSpPr>
+              <a:cxnSpLocks/>
+              <a:stCxn id="24" idx="2"/>
+              <a:endCxn id="64" idx="0"/>
+            </p:cNvCxnSpPr>
+            <p:nvPr/>
+          </p:nvCxnSpPr>
+          <p:spPr>
+            <a:xfrm rot="5400000">
+              <a:off x="3207298" y="3589935"/>
+              <a:ext cx="1002726" cy="905839"/>
+            </a:xfrm>
+            <a:prstGeom prst="bentConnector3">
+              <a:avLst>
+                <a:gd name="adj1" fmla="val 50000"/>
+              </a:avLst>
+            </a:prstGeom>
+            <a:ln w="12700">
+              <a:tailEnd type="triangle"/>
+            </a:ln>
+          </p:spPr>
+          <p:style>
+            <a:lnRef idx="1">
+              <a:schemeClr val="accent1"/>
+            </a:lnRef>
+            <a:fillRef idx="0">
+              <a:schemeClr val="accent1"/>
+            </a:fillRef>
+            <a:effectRef idx="0">
+              <a:schemeClr val="accent1"/>
+            </a:effectRef>
+            <a:fontRef idx="minor">
+              <a:schemeClr val="tx1"/>
+            </a:fontRef>
+          </p:style>
+        </p:cxnSp>
+        <p:sp>
+          <p:nvSpPr>
+            <p:cNvPr id="6" name="사각형: 둥근 모서리 5">
+              <a:extLst>
+                <a:ext uri="{FF2B5EF4-FFF2-40B4-BE49-F238E27FC236}">
+                  <a16:creationId xmlns:a16="http://schemas.microsoft.com/office/drawing/2014/main" id="{FE0C52E3-2386-09FE-2F18-FBF4DE702B96}"/>
+                </a:ext>
+              </a:extLst>
+            </p:cNvPr>
+            <p:cNvSpPr/>
+            <p:nvPr/>
+          </p:nvSpPr>
+          <p:spPr>
+            <a:xfrm>
+              <a:off x="567290" y="3952857"/>
+              <a:ext cx="512993" cy="257832"/>
+            </a:xfrm>
+            <a:prstGeom prst="roundRect">
+              <a:avLst/>
+            </a:prstGeom>
+            <a:solidFill>
+              <a:srgbClr val="FF0000"/>
+            </a:solidFill>
+            <a:ln>
+              <a:noFill/>
+            </a:ln>
+          </p:spPr>
+          <p:style>
+            <a:lnRef idx="2">
+              <a:schemeClr val="accent1">
+                <a:shade val="50000"/>
+              </a:schemeClr>
+            </a:lnRef>
+            <a:fillRef idx="1">
+              <a:schemeClr val="accent1"/>
+            </a:fillRef>
+            <a:effectRef idx="0">
+              <a:schemeClr val="accent1"/>
+            </a:effectRef>
+            <a:fontRef idx="minor">
+              <a:schemeClr val="lt1"/>
+            </a:fontRef>
+          </p:style>
+          <p:txBody>
+            <a:bodyPr rtlCol="0" anchor="ctr"/>
+            <a:lstStyle/>
+            <a:p>
+              <a:pPr algn="ctr"/>
+              <a:r>
+                <a:rPr lang="en-US" altLang="ko-KR" sz="1200" dirty="0"/>
+                <a:t>12V</a:t>
+              </a:r>
+              <a:endParaRPr lang="ko-KR" altLang="en-US" sz="1200" dirty="0"/>
+            </a:p>
+          </p:txBody>
+        </p:sp>
       </p:grpSp>
     </p:spTree>
     <p:extLst>
